--- a/Сравнение команд Scratch и Python.pptx
+++ b/Сравнение команд Scratch и Python.pptx
@@ -243,7 +243,7 @@
           <a:p>
             <a:fld id="{AF571184-26AD-4894-83AF-6937CD04FF45}" type="datetimeFigureOut">
               <a:rPr lang="ru-RU" smtClean="0"/>
-              <a:t>16.01.2020</a:t>
+              <a:t>17.01.2020</a:t>
             </a:fld>
             <a:endParaRPr lang="ru-RU" dirty="0"/>
           </a:p>
@@ -413,7 +413,7 @@
           <a:p>
             <a:fld id="{AF571184-26AD-4894-83AF-6937CD04FF45}" type="datetimeFigureOut">
               <a:rPr lang="ru-RU" smtClean="0"/>
-              <a:t>16.01.2020</a:t>
+              <a:t>17.01.2020</a:t>
             </a:fld>
             <a:endParaRPr lang="ru-RU" dirty="0"/>
           </a:p>
@@ -593,7 +593,7 @@
           <a:p>
             <a:fld id="{AF571184-26AD-4894-83AF-6937CD04FF45}" type="datetimeFigureOut">
               <a:rPr lang="ru-RU" smtClean="0"/>
-              <a:t>16.01.2020</a:t>
+              <a:t>17.01.2020</a:t>
             </a:fld>
             <a:endParaRPr lang="ru-RU" dirty="0"/>
           </a:p>
@@ -763,7 +763,7 @@
           <a:p>
             <a:fld id="{AF571184-26AD-4894-83AF-6937CD04FF45}" type="datetimeFigureOut">
               <a:rPr lang="ru-RU" smtClean="0"/>
-              <a:t>16.01.2020</a:t>
+              <a:t>17.01.2020</a:t>
             </a:fld>
             <a:endParaRPr lang="ru-RU" dirty="0"/>
           </a:p>
@@ -1009,7 +1009,7 @@
           <a:p>
             <a:fld id="{AF571184-26AD-4894-83AF-6937CD04FF45}" type="datetimeFigureOut">
               <a:rPr lang="ru-RU" smtClean="0"/>
-              <a:t>16.01.2020</a:t>
+              <a:t>17.01.2020</a:t>
             </a:fld>
             <a:endParaRPr lang="ru-RU" dirty="0"/>
           </a:p>
@@ -1241,7 +1241,7 @@
           <a:p>
             <a:fld id="{AF571184-26AD-4894-83AF-6937CD04FF45}" type="datetimeFigureOut">
               <a:rPr lang="ru-RU" smtClean="0"/>
-              <a:t>16.01.2020</a:t>
+              <a:t>17.01.2020</a:t>
             </a:fld>
             <a:endParaRPr lang="ru-RU" dirty="0"/>
           </a:p>
@@ -1608,7 +1608,7 @@
           <a:p>
             <a:fld id="{AF571184-26AD-4894-83AF-6937CD04FF45}" type="datetimeFigureOut">
               <a:rPr lang="ru-RU" smtClean="0"/>
-              <a:t>16.01.2020</a:t>
+              <a:t>17.01.2020</a:t>
             </a:fld>
             <a:endParaRPr lang="ru-RU" dirty="0"/>
           </a:p>
@@ -1726,7 +1726,7 @@
           <a:p>
             <a:fld id="{AF571184-26AD-4894-83AF-6937CD04FF45}" type="datetimeFigureOut">
               <a:rPr lang="ru-RU" smtClean="0"/>
-              <a:t>16.01.2020</a:t>
+              <a:t>17.01.2020</a:t>
             </a:fld>
             <a:endParaRPr lang="ru-RU" dirty="0"/>
           </a:p>
@@ -1821,7 +1821,7 @@
           <a:p>
             <a:fld id="{AF571184-26AD-4894-83AF-6937CD04FF45}" type="datetimeFigureOut">
               <a:rPr lang="ru-RU" smtClean="0"/>
-              <a:t>16.01.2020</a:t>
+              <a:t>17.01.2020</a:t>
             </a:fld>
             <a:endParaRPr lang="ru-RU" dirty="0"/>
           </a:p>
@@ -2098,7 +2098,7 @@
           <a:p>
             <a:fld id="{AF571184-26AD-4894-83AF-6937CD04FF45}" type="datetimeFigureOut">
               <a:rPr lang="ru-RU" smtClean="0"/>
-              <a:t>16.01.2020</a:t>
+              <a:t>17.01.2020</a:t>
             </a:fld>
             <a:endParaRPr lang="ru-RU" dirty="0"/>
           </a:p>
@@ -2351,7 +2351,7 @@
           <a:p>
             <a:fld id="{AF571184-26AD-4894-83AF-6937CD04FF45}" type="datetimeFigureOut">
               <a:rPr lang="ru-RU" smtClean="0"/>
-              <a:t>16.01.2020</a:t>
+              <a:t>17.01.2020</a:t>
             </a:fld>
             <a:endParaRPr lang="ru-RU" dirty="0"/>
           </a:p>
@@ -2564,7 +2564,7 @@
           <a:p>
             <a:fld id="{AF571184-26AD-4894-83AF-6937CD04FF45}" type="datetimeFigureOut">
               <a:rPr lang="ru-RU" smtClean="0"/>
-              <a:t>16.01.2020</a:t>
+              <a:t>17.01.2020</a:t>
             </a:fld>
             <a:endParaRPr lang="ru-RU" dirty="0"/>
           </a:p>
@@ -3006,7 +3006,7 @@
             <a:r>
               <a:rPr lang="ru-RU" sz="2400" dirty="0" smtClean="0">
                 <a:solidFill>
-                  <a:schemeClr val="bg1"/>
+                  <a:srgbClr val="FFFF00"/>
                 </a:solidFill>
                 <a:latin typeface="Times New Roman" panose="02020603050405020304" pitchFamily="18" charset="0"/>
                 <a:cs typeface="Times New Roman" panose="02020603050405020304" pitchFamily="18" charset="0"/>
@@ -3016,7 +3016,7 @@
             <a:r>
               <a:rPr lang="en-US" sz="2400" dirty="0" smtClean="0">
                 <a:solidFill>
-                  <a:schemeClr val="bg1"/>
+                  <a:srgbClr val="FFFF00"/>
                 </a:solidFill>
                 <a:latin typeface="Times New Roman" panose="02020603050405020304" pitchFamily="18" charset="0"/>
                 <a:cs typeface="Times New Roman" panose="02020603050405020304" pitchFamily="18" charset="0"/>
@@ -3026,7 +3026,7 @@
             <a:r>
               <a:rPr lang="ru-RU" sz="2400" dirty="0" smtClean="0">
                 <a:solidFill>
-                  <a:schemeClr val="bg1"/>
+                  <a:srgbClr val="FFFF00"/>
                 </a:solidFill>
                 <a:latin typeface="Times New Roman" panose="02020603050405020304" pitchFamily="18" charset="0"/>
                 <a:cs typeface="Times New Roman" panose="02020603050405020304" pitchFamily="18" charset="0"/>
@@ -3036,7 +3036,7 @@
             <a:r>
               <a:rPr lang="en-US" sz="2400" dirty="0" smtClean="0">
                 <a:solidFill>
-                  <a:schemeClr val="bg1"/>
+                  <a:srgbClr val="FFFF00"/>
                 </a:solidFill>
                 <a:latin typeface="Times New Roman" panose="02020603050405020304" pitchFamily="18" charset="0"/>
                 <a:cs typeface="Times New Roman" panose="02020603050405020304" pitchFamily="18" charset="0"/>
@@ -3045,7 +3045,7 @@
             </a:r>
             <a:endParaRPr lang="ru-RU" sz="2400" dirty="0">
               <a:solidFill>
-                <a:schemeClr val="bg1"/>
+                <a:srgbClr val="FFFF00"/>
               </a:solidFill>
               <a:latin typeface="Times New Roman" panose="02020603050405020304" pitchFamily="18" charset="0"/>
               <a:cs typeface="Times New Roman" panose="02020603050405020304" pitchFamily="18" charset="0"/>
@@ -3095,11 +3095,47 @@
             <a:r>
               <a:rPr lang="en-US" sz="1800" b="1" dirty="0" smtClean="0">
                 <a:solidFill>
-                  <a:srgbClr val="FFFF00"/>
-                </a:solidFill>
-                <a:cs typeface="Times New Roman" panose="02020603050405020304" pitchFamily="18" charset="0"/>
-              </a:rPr>
-              <a:t>font = pygame.font.SysFont('Arial', 10)</a:t>
+                  <a:schemeClr val="bg1"/>
+                </a:solidFill>
+                <a:cs typeface="Times New Roman" panose="02020603050405020304" pitchFamily="18" charset="0"/>
+              </a:rPr>
+              <a:t>font = pygame.font.SysFont(</a:t>
+            </a:r>
+            <a:r>
+              <a:rPr lang="en-US" sz="1800" b="1" dirty="0" smtClean="0">
+                <a:solidFill>
+                  <a:srgbClr val="C00000"/>
+                </a:solidFill>
+                <a:cs typeface="Times New Roman" panose="02020603050405020304" pitchFamily="18" charset="0"/>
+              </a:rPr>
+              <a:t>'Arial'</a:t>
+            </a:r>
+            <a:r>
+              <a:rPr lang="en-US" sz="1800" b="1" dirty="0" smtClean="0">
+                <a:solidFill>
+                  <a:schemeClr val="bg1"/>
+                </a:solidFill>
+                <a:cs typeface="Times New Roman" panose="02020603050405020304" pitchFamily="18" charset="0"/>
+              </a:rPr>
+              <a:t>, </a:t>
+            </a:r>
+            <a:r>
+              <a:rPr lang="en-US" sz="1800" b="1" dirty="0" smtClean="0">
+                <a:solidFill>
+                  <a:schemeClr val="accent6"/>
+                </a:solidFill>
+                <a:cs typeface="Times New Roman" panose="02020603050405020304" pitchFamily="18" charset="0"/>
+              </a:rPr>
+              <a:t>10</a:t>
+            </a:r>
+            <a:r>
+              <a:rPr lang="en-US" sz="1800" b="1" dirty="0" smtClean="0">
+                <a:solidFill>
+                  <a:schemeClr val="bg1"/>
+                </a:solidFill>
+                <a:cs typeface="Times New Roman" panose="02020603050405020304" pitchFamily="18" charset="0"/>
+              </a:rPr>
+              <a:t>)</a:t>
             </a:r>
           </a:p>
           <a:p>
@@ -3114,7 +3150,7 @@
             <a:r>
               <a:rPr lang="en-US" sz="1800" b="1" dirty="0" smtClean="0">
                 <a:solidFill>
-                  <a:srgbClr val="FFFF00"/>
+                  <a:schemeClr val="bg1"/>
                 </a:solidFill>
                 <a:cs typeface="Times New Roman" panose="02020603050405020304" pitchFamily="18" charset="0"/>
               </a:rPr>
@@ -3123,7 +3159,7 @@
             <a:r>
               <a:rPr lang="en-US" sz="1800" b="1" dirty="0">
                 <a:solidFill>
-                  <a:srgbClr val="FFFF00"/>
+                  <a:schemeClr val="bg1"/>
                 </a:solidFill>
                 <a:cs typeface="Times New Roman" panose="02020603050405020304" pitchFamily="18" charset="0"/>
               </a:rPr>
@@ -3132,7 +3168,7 @@
             <a:r>
               <a:rPr lang="en-US" sz="1800" b="1" dirty="0" smtClean="0">
                 <a:solidFill>
-                  <a:srgbClr val="FFFF00"/>
+                  <a:schemeClr val="bg1"/>
                 </a:solidFill>
                 <a:cs typeface="Times New Roman" panose="02020603050405020304" pitchFamily="18" charset="0"/>
               </a:rPr>
@@ -3141,16 +3177,25 @@
             <a:r>
               <a:rPr lang="en-US" sz="1800" b="1" dirty="0">
                 <a:solidFill>
-                  <a:srgbClr val="FFFF00"/>
-                </a:solidFill>
-                <a:cs typeface="Times New Roman" panose="02020603050405020304" pitchFamily="18" charset="0"/>
-              </a:rPr>
-              <a:t>('</a:t>
+                  <a:schemeClr val="bg1"/>
+                </a:solidFill>
+                <a:cs typeface="Times New Roman" panose="02020603050405020304" pitchFamily="18" charset="0"/>
+              </a:rPr>
+              <a:t>(</a:t>
+            </a:r>
+            <a:r>
+              <a:rPr lang="en-US" sz="1800" b="1" dirty="0">
+                <a:solidFill>
+                  <a:srgbClr val="C00000"/>
+                </a:solidFill>
+                <a:cs typeface="Times New Roman" panose="02020603050405020304" pitchFamily="18" charset="0"/>
+              </a:rPr>
+              <a:t>'</a:t>
             </a:r>
             <a:r>
               <a:rPr lang="ru-RU" sz="1800" b="1" dirty="0" smtClean="0">
                 <a:solidFill>
-                  <a:srgbClr val="FFFF00"/>
+                  <a:srgbClr val="C00000"/>
                 </a:solidFill>
                 <a:cs typeface="Times New Roman" panose="02020603050405020304" pitchFamily="18" charset="0"/>
               </a:rPr>
@@ -3159,54 +3204,111 @@
             <a:r>
               <a:rPr lang="en-US" sz="1800" b="1" dirty="0" smtClean="0">
                 <a:solidFill>
-                  <a:srgbClr val="FFFF00"/>
-                </a:solidFill>
-                <a:cs typeface="Times New Roman" panose="02020603050405020304" pitchFamily="18" charset="0"/>
-              </a:rPr>
-              <a:t>',</a:t>
+                  <a:srgbClr val="C00000"/>
+                </a:solidFill>
+                <a:cs typeface="Times New Roman" panose="02020603050405020304" pitchFamily="18" charset="0"/>
+              </a:rPr>
+              <a:t>'</a:t>
+            </a:r>
+            <a:r>
+              <a:rPr lang="en-US" sz="1800" b="1" dirty="0" smtClean="0">
+                <a:solidFill>
+                  <a:schemeClr val="bg1"/>
+                </a:solidFill>
+                <a:cs typeface="Times New Roman" panose="02020603050405020304" pitchFamily="18" charset="0"/>
+              </a:rPr>
+              <a:t>,</a:t>
             </a:r>
             <a:r>
               <a:rPr lang="en-US" sz="1800" b="1" dirty="0">
                 <a:solidFill>
-                  <a:srgbClr val="FFFF00"/>
-                </a:solidFill>
-                <a:cs typeface="Times New Roman" panose="02020603050405020304" pitchFamily="18" charset="0"/>
-              </a:rPr>
-              <a:t> True, </a:t>
+                  <a:schemeClr val="bg1"/>
+                </a:solidFill>
+                <a:cs typeface="Times New Roman" panose="02020603050405020304" pitchFamily="18" charset="0"/>
+              </a:rPr>
+              <a:t> </a:t>
+            </a:r>
+            <a:r>
+              <a:rPr lang="en-US" sz="1800" b="1" dirty="0">
+                <a:solidFill>
+                  <a:srgbClr val="0070C0"/>
+                </a:solidFill>
+                <a:cs typeface="Times New Roman" panose="02020603050405020304" pitchFamily="18" charset="0"/>
+              </a:rPr>
+              <a:t>True</a:t>
+            </a:r>
+            <a:r>
+              <a:rPr lang="en-US" sz="1800" b="1" dirty="0">
+                <a:solidFill>
+                  <a:schemeClr val="bg1"/>
+                </a:solidFill>
+                <a:cs typeface="Times New Roman" panose="02020603050405020304" pitchFamily="18" charset="0"/>
+              </a:rPr>
+              <a:t>, </a:t>
             </a:r>
             <a:r>
               <a:rPr lang="ru-RU" sz="1800" b="1" dirty="0" smtClean="0">
                 <a:solidFill>
-                  <a:srgbClr val="FFFF00"/>
-                </a:solidFill>
-                <a:cs typeface="Times New Roman" panose="02020603050405020304" pitchFamily="18" charset="0"/>
-              </a:rPr>
-              <a:t>(0</a:t>
-            </a:r>
-            <a:r>
-              <a:rPr lang="en-US" sz="1800" b="1" dirty="0" smtClean="0">
-                <a:solidFill>
-                  <a:srgbClr val="FFFF00"/>
-                </a:solidFill>
-                <a:cs typeface="Times New Roman" panose="02020603050405020304" pitchFamily="18" charset="0"/>
-              </a:rPr>
-              <a:t>, 0, 0</a:t>
-            </a:r>
-            <a:r>
-              <a:rPr lang="en-US" sz="1800" b="1" dirty="0" smtClean="0">
-                <a:solidFill>
-                  <a:srgbClr val="FFFF00"/>
+                  <a:schemeClr val="bg1"/>
+                </a:solidFill>
+                <a:cs typeface="Times New Roman" panose="02020603050405020304" pitchFamily="18" charset="0"/>
+              </a:rPr>
+              <a:t>(</a:t>
+            </a:r>
+            <a:r>
+              <a:rPr lang="ru-RU" sz="1800" b="1" dirty="0" smtClean="0">
+                <a:solidFill>
+                  <a:schemeClr val="accent6"/>
+                </a:solidFill>
+                <a:cs typeface="Times New Roman" panose="02020603050405020304" pitchFamily="18" charset="0"/>
+              </a:rPr>
+              <a:t>0</a:t>
+            </a:r>
+            <a:r>
+              <a:rPr lang="en-US" sz="1800" b="1" dirty="0" smtClean="0">
+                <a:solidFill>
+                  <a:schemeClr val="bg1"/>
+                </a:solidFill>
+                <a:cs typeface="Times New Roman" panose="02020603050405020304" pitchFamily="18" charset="0"/>
+              </a:rPr>
+              <a:t>, </a:t>
+            </a:r>
+            <a:r>
+              <a:rPr lang="en-US" sz="1800" b="1" dirty="0" smtClean="0">
+                <a:solidFill>
+                  <a:schemeClr val="accent6"/>
+                </a:solidFill>
+                <a:cs typeface="Times New Roman" panose="02020603050405020304" pitchFamily="18" charset="0"/>
+              </a:rPr>
+              <a:t>0</a:t>
+            </a:r>
+            <a:r>
+              <a:rPr lang="en-US" sz="1800" b="1" dirty="0" smtClean="0">
+                <a:solidFill>
+                  <a:schemeClr val="bg1"/>
+                </a:solidFill>
+                <a:cs typeface="Times New Roman" panose="02020603050405020304" pitchFamily="18" charset="0"/>
+              </a:rPr>
+              <a:t>, </a:t>
+            </a:r>
+            <a:r>
+              <a:rPr lang="en-US" sz="1800" b="1" dirty="0" smtClean="0">
+                <a:solidFill>
+                  <a:schemeClr val="accent6"/>
+                </a:solidFill>
+                <a:cs typeface="Times New Roman" panose="02020603050405020304" pitchFamily="18" charset="0"/>
+              </a:rPr>
+              <a:t>0</a:t>
+            </a:r>
+            <a:r>
+              <a:rPr lang="en-US" sz="1800" b="1" dirty="0" smtClean="0">
+                <a:solidFill>
+                  <a:schemeClr val="bg1"/>
                 </a:solidFill>
                 <a:cs typeface="Times New Roman" panose="02020603050405020304" pitchFamily="18" charset="0"/>
               </a:rPr>
               <a:t>))</a:t>
             </a:r>
-            <a:endParaRPr lang="en-US" sz="1800" b="1" dirty="0" smtClean="0">
-              <a:solidFill>
-                <a:srgbClr val="FFFF00"/>
-              </a:solidFill>
-              <a:cs typeface="Times New Roman" panose="02020603050405020304" pitchFamily="18" charset="0"/>
-            </a:endParaRPr>
           </a:p>
           <a:p>
             <a:pPr algn="l">
@@ -3258,7 +3360,16 @@
                 </a:solidFill>
                 <a:cs typeface="Times New Roman" panose="02020603050405020304" pitchFamily="18" charset="0"/>
               </a:rPr>
-              <a:t>	while</a:t>
+              <a:t>	</a:t>
+            </a:r>
+            <a:r>
+              <a:rPr lang="en-US" sz="1800" b="1" dirty="0" smtClean="0">
+                <a:solidFill>
+                  <a:srgbClr val="7030A0"/>
+                </a:solidFill>
+                <a:cs typeface="Times New Roman" panose="02020603050405020304" pitchFamily="18" charset="0"/>
+              </a:rPr>
+              <a:t>while</a:t>
             </a:r>
             <a:r>
               <a:rPr lang="en-US" sz="1800" b="1" dirty="0">
@@ -3272,11 +3383,20 @@
             <a:r>
               <a:rPr lang="en-US" sz="1800" b="1" dirty="0" smtClean="0">
                 <a:solidFill>
-                  <a:srgbClr val="FFFF00"/>
-                </a:solidFill>
-                <a:cs typeface="Times New Roman" panose="02020603050405020304" pitchFamily="18" charset="0"/>
-              </a:rPr>
-              <a:t>True:</a:t>
+                  <a:srgbClr val="0070C0"/>
+                </a:solidFill>
+                <a:cs typeface="Times New Roman" panose="02020603050405020304" pitchFamily="18" charset="0"/>
+              </a:rPr>
+              <a:t>True</a:t>
+            </a:r>
+            <a:r>
+              <a:rPr lang="en-US" sz="1800" b="1" dirty="0" smtClean="0">
+                <a:solidFill>
+                  <a:schemeClr val="bg1"/>
+                </a:solidFill>
+                <a:cs typeface="Times New Roman" panose="02020603050405020304" pitchFamily="18" charset="0"/>
+              </a:rPr>
+              <a:t>:</a:t>
             </a:r>
           </a:p>
           <a:p>
@@ -3304,11 +3424,20 @@
                 </a:solidFill>
                 <a:cs typeface="Times New Roman" panose="02020603050405020304" pitchFamily="18" charset="0"/>
               </a:rPr>
-              <a:t>	    	    pass</a:t>
+              <a:t>	    	    </a:t>
+            </a:r>
+            <a:r>
+              <a:rPr lang="en-US" sz="1800" b="1" dirty="0" smtClean="0">
+                <a:solidFill>
+                  <a:srgbClr val="7030A0"/>
+                </a:solidFill>
+                <a:cs typeface="Times New Roman" panose="02020603050405020304" pitchFamily="18" charset="0"/>
+              </a:rPr>
+              <a:t>pass</a:t>
             </a:r>
             <a:endParaRPr lang="en-US" sz="1800" b="1" dirty="0">
               <a:solidFill>
-                <a:srgbClr val="FFFF00"/>
+                <a:srgbClr val="7030A0"/>
               </a:solidFill>
               <a:cs typeface="Times New Roman" panose="02020603050405020304" pitchFamily="18" charset="0"/>
             </a:endParaRPr>
@@ -3360,7 +3489,16 @@
                 </a:solidFill>
                 <a:cs typeface="Times New Roman" panose="02020603050405020304" pitchFamily="18" charset="0"/>
               </a:rPr>
-              <a:t>	for</a:t>
+              <a:t>	</a:t>
+            </a:r>
+            <a:r>
+              <a:rPr lang="en-US" sz="1800" b="1" dirty="0" smtClean="0">
+                <a:solidFill>
+                  <a:srgbClr val="7030A0"/>
+                </a:solidFill>
+                <a:cs typeface="Times New Roman" panose="02020603050405020304" pitchFamily="18" charset="0"/>
+              </a:rPr>
+              <a:t>for</a:t>
             </a:r>
             <a:r>
               <a:rPr lang="en-US" sz="1800" b="1" dirty="0">
@@ -3369,12 +3507,66 @@
                 </a:solidFill>
                 <a:cs typeface="Times New Roman" panose="02020603050405020304" pitchFamily="18" charset="0"/>
               </a:rPr>
-              <a:t> i in range(10</a:t>
-            </a:r>
-            <a:r>
-              <a:rPr lang="en-US" sz="1800" b="1" dirty="0" smtClean="0">
+              <a:t> </a:t>
+            </a:r>
+            <a:r>
+              <a:rPr lang="en-US" sz="1800" b="1" dirty="0">
+                <a:solidFill>
+                  <a:schemeClr val="bg1"/>
+                </a:solidFill>
+                <a:cs typeface="Times New Roman" panose="02020603050405020304" pitchFamily="18" charset="0"/>
+              </a:rPr>
+              <a:t>i</a:t>
+            </a:r>
+            <a:r>
+              <a:rPr lang="en-US" sz="1800" b="1" dirty="0">
                 <a:solidFill>
                   <a:srgbClr val="FFFF00"/>
+                </a:solidFill>
+                <a:cs typeface="Times New Roman" panose="02020603050405020304" pitchFamily="18" charset="0"/>
+              </a:rPr>
+              <a:t> </a:t>
+            </a:r>
+            <a:r>
+              <a:rPr lang="en-US" sz="1800" b="1" dirty="0">
+                <a:solidFill>
+                  <a:srgbClr val="0070C0"/>
+                </a:solidFill>
+                <a:cs typeface="Times New Roman" panose="02020603050405020304" pitchFamily="18" charset="0"/>
+              </a:rPr>
+              <a:t>in</a:t>
+            </a:r>
+            <a:r>
+              <a:rPr lang="en-US" sz="1800" b="1" dirty="0">
+                <a:solidFill>
+                  <a:srgbClr val="FFFF00"/>
+                </a:solidFill>
+                <a:cs typeface="Times New Roman" panose="02020603050405020304" pitchFamily="18" charset="0"/>
+              </a:rPr>
+              <a:t> range</a:t>
+            </a:r>
+            <a:r>
+              <a:rPr lang="en-US" sz="1800" b="1" dirty="0">
+                <a:solidFill>
+                  <a:schemeClr val="bg1"/>
+                </a:solidFill>
+                <a:cs typeface="Times New Roman" panose="02020603050405020304" pitchFamily="18" charset="0"/>
+              </a:rPr>
+              <a:t>(</a:t>
+            </a:r>
+            <a:r>
+              <a:rPr lang="en-US" sz="1800" b="1" dirty="0">
+                <a:solidFill>
+                  <a:schemeClr val="accent6"/>
+                </a:solidFill>
+                <a:cs typeface="Times New Roman" panose="02020603050405020304" pitchFamily="18" charset="0"/>
+              </a:rPr>
+              <a:t>10</a:t>
+            </a:r>
+            <a:r>
+              <a:rPr lang="en-US" sz="1800" b="1" dirty="0" smtClean="0">
+                <a:solidFill>
+                  <a:schemeClr val="bg1"/>
                 </a:solidFill>
                 <a:cs typeface="Times New Roman" panose="02020603050405020304" pitchFamily="18" charset="0"/>
               </a:rPr>
@@ -3406,11 +3598,20 @@
                 </a:solidFill>
                 <a:cs typeface="Times New Roman" panose="02020603050405020304" pitchFamily="18" charset="0"/>
               </a:rPr>
-              <a:t>	    	    pass</a:t>
+              <a:t>	    	    </a:t>
+            </a:r>
+            <a:r>
+              <a:rPr lang="en-US" sz="1800" b="1" dirty="0" smtClean="0">
+                <a:solidFill>
+                  <a:srgbClr val="7030A0"/>
+                </a:solidFill>
+                <a:cs typeface="Times New Roman" panose="02020603050405020304" pitchFamily="18" charset="0"/>
+              </a:rPr>
+              <a:t>pass</a:t>
             </a:r>
             <a:endParaRPr lang="en-US" sz="1800" b="1" dirty="0">
               <a:solidFill>
-                <a:srgbClr val="FFFF00"/>
+                <a:srgbClr val="7030A0"/>
               </a:solidFill>
               <a:cs typeface="Times New Roman" panose="02020603050405020304" pitchFamily="18" charset="0"/>
             </a:endParaRPr>
@@ -3444,25 +3645,43 @@
                 </a:solidFill>
                 <a:cs typeface="Times New Roman" panose="02020603050405020304" pitchFamily="18" charset="0"/>
               </a:rPr>
-              <a:t>			if a </a:t>
-            </a:r>
-            <a:r>
-              <a:rPr lang="en-US" sz="1800" b="1" dirty="0" smtClean="0">
-                <a:solidFill>
-                  <a:srgbClr val="FFFF00"/>
-                </a:solidFill>
-                <a:cs typeface="Times New Roman" panose="02020603050405020304" pitchFamily="18" charset="0"/>
-              </a:rPr>
-              <a:t>== </a:t>
-            </a:r>
-            <a:r>
-              <a:rPr lang="en-US" sz="1800" b="1" dirty="0" smtClean="0">
-                <a:solidFill>
-                  <a:srgbClr val="FFFF00"/>
-                </a:solidFill>
-                <a:cs typeface="Times New Roman" panose="02020603050405020304" pitchFamily="18" charset="0"/>
-              </a:rPr>
-              <a:t>10:</a:t>
+              <a:t>			</a:t>
+            </a:r>
+            <a:r>
+              <a:rPr lang="en-US" sz="1800" b="1" dirty="0" smtClean="0">
+                <a:solidFill>
+                  <a:srgbClr val="7030A0"/>
+                </a:solidFill>
+                <a:cs typeface="Times New Roman" panose="02020603050405020304" pitchFamily="18" charset="0"/>
+              </a:rPr>
+              <a:t>if</a:t>
+            </a:r>
+            <a:r>
+              <a:rPr lang="en-US" sz="1800" b="1" dirty="0" smtClean="0">
+                <a:solidFill>
+                  <a:schemeClr val="bg1"/>
+                </a:solidFill>
+                <a:cs typeface="Times New Roman" panose="02020603050405020304" pitchFamily="18" charset="0"/>
+              </a:rPr>
+              <a:t> a == </a:t>
+            </a:r>
+            <a:r>
+              <a:rPr lang="en-US" sz="1800" b="1" dirty="0" smtClean="0">
+                <a:solidFill>
+                  <a:schemeClr val="accent6"/>
+                </a:solidFill>
+                <a:cs typeface="Times New Roman" panose="02020603050405020304" pitchFamily="18" charset="0"/>
+              </a:rPr>
+              <a:t>10</a:t>
+            </a:r>
+            <a:r>
+              <a:rPr lang="en-US" sz="1800" b="1" dirty="0" smtClean="0">
+                <a:solidFill>
+                  <a:schemeClr val="bg1"/>
+                </a:solidFill>
+                <a:cs typeface="Times New Roman" panose="02020603050405020304" pitchFamily="18" charset="0"/>
+              </a:rPr>
+              <a:t>:</a:t>
             </a:r>
           </a:p>
           <a:p>
@@ -3477,7 +3696,7 @@
             <a:r>
               <a:rPr lang="en-US" sz="1800" b="1" dirty="0">
                 <a:solidFill>
-                  <a:srgbClr val="FFFF00"/>
+                  <a:schemeClr val="bg1"/>
                 </a:solidFill>
                 <a:cs typeface="Times New Roman" panose="02020603050405020304" pitchFamily="18" charset="0"/>
               </a:rPr>
@@ -3486,11 +3705,29 @@
             <a:r>
               <a:rPr lang="en-US" sz="1800" b="1" dirty="0" smtClean="0">
                 <a:solidFill>
-                  <a:srgbClr val="FFFF00"/>
-                </a:solidFill>
-                <a:cs typeface="Times New Roman" panose="02020603050405020304" pitchFamily="18" charset="0"/>
-              </a:rPr>
-              <a:t>	    	    time.sleep(1)</a:t>
+                  <a:schemeClr val="bg1"/>
+                </a:solidFill>
+                <a:cs typeface="Times New Roman" panose="02020603050405020304" pitchFamily="18" charset="0"/>
+              </a:rPr>
+              <a:t>	    	    time.sleep(</a:t>
+            </a:r>
+            <a:r>
+              <a:rPr lang="en-US" sz="1800" b="1" dirty="0" smtClean="0">
+                <a:solidFill>
+                  <a:schemeClr val="accent6"/>
+                </a:solidFill>
+                <a:cs typeface="Times New Roman" panose="02020603050405020304" pitchFamily="18" charset="0"/>
+              </a:rPr>
+              <a:t>1</a:t>
+            </a:r>
+            <a:r>
+              <a:rPr lang="en-US" sz="1800" b="1" dirty="0" smtClean="0">
+                <a:solidFill>
+                  <a:schemeClr val="bg1"/>
+                </a:solidFill>
+                <a:cs typeface="Times New Roman" panose="02020603050405020304" pitchFamily="18" charset="0"/>
+              </a:rPr>
+              <a:t>)</a:t>
             </a:r>
           </a:p>
           <a:p>
@@ -3505,7 +3742,7 @@
             <a:r>
               <a:rPr lang="en-US" sz="1800" b="1" dirty="0">
                 <a:solidFill>
-                  <a:srgbClr val="FFFF00"/>
+                  <a:schemeClr val="bg1"/>
                 </a:solidFill>
                 <a:cs typeface="Times New Roman" panose="02020603050405020304" pitchFamily="18" charset="0"/>
               </a:rPr>
@@ -3514,11 +3751,29 @@
             <a:r>
               <a:rPr lang="en-US" sz="1800" b="1" dirty="0" smtClean="0">
                 <a:solidFill>
-                  <a:srgbClr val="FFFF00"/>
-                </a:solidFill>
-                <a:cs typeface="Times New Roman" panose="02020603050405020304" pitchFamily="18" charset="0"/>
-              </a:rPr>
-              <a:t>		else:</a:t>
+                  <a:schemeClr val="bg1"/>
+                </a:solidFill>
+                <a:cs typeface="Times New Roman" panose="02020603050405020304" pitchFamily="18" charset="0"/>
+              </a:rPr>
+              <a:t>		</a:t>
+            </a:r>
+            <a:r>
+              <a:rPr lang="en-US" sz="1800" b="1" dirty="0" smtClean="0">
+                <a:solidFill>
+                  <a:srgbClr val="7030A0"/>
+                </a:solidFill>
+                <a:cs typeface="Times New Roman" panose="02020603050405020304" pitchFamily="18" charset="0"/>
+              </a:rPr>
+              <a:t>else</a:t>
+            </a:r>
+            <a:r>
+              <a:rPr lang="en-US" sz="1800" b="1" dirty="0" smtClean="0">
+                <a:solidFill>
+                  <a:schemeClr val="bg1"/>
+                </a:solidFill>
+                <a:cs typeface="Times New Roman" panose="02020603050405020304" pitchFamily="18" charset="0"/>
+              </a:rPr>
+              <a:t>:</a:t>
             </a:r>
           </a:p>
           <a:p>
@@ -3533,7 +3788,7 @@
             <a:r>
               <a:rPr lang="en-US" sz="1800" b="1" dirty="0">
                 <a:solidFill>
-                  <a:srgbClr val="FFFF00"/>
+                  <a:schemeClr val="bg1"/>
                 </a:solidFill>
                 <a:cs typeface="Times New Roman" panose="02020603050405020304" pitchFamily="18" charset="0"/>
               </a:rPr>
@@ -3542,15 +3797,33 @@
             <a:r>
               <a:rPr lang="en-US" sz="1800" b="1" dirty="0" smtClean="0">
                 <a:solidFill>
-                  <a:srgbClr val="FFFF00"/>
-                </a:solidFill>
-                <a:cs typeface="Times New Roman" panose="02020603050405020304" pitchFamily="18" charset="0"/>
-              </a:rPr>
-              <a:t>	    	    time.sleep(2)</a:t>
+                  <a:schemeClr val="bg1"/>
+                </a:solidFill>
+                <a:cs typeface="Times New Roman" panose="02020603050405020304" pitchFamily="18" charset="0"/>
+              </a:rPr>
+              <a:t>	    	    time.sleep(</a:t>
+            </a:r>
+            <a:r>
+              <a:rPr lang="en-US" sz="1800" b="1" dirty="0" smtClean="0">
+                <a:solidFill>
+                  <a:schemeClr val="accent6"/>
+                </a:solidFill>
+                <a:cs typeface="Times New Roman" panose="02020603050405020304" pitchFamily="18" charset="0"/>
+              </a:rPr>
+              <a:t>2</a:t>
+            </a:r>
+            <a:r>
+              <a:rPr lang="en-US" sz="1800" b="1" dirty="0" smtClean="0">
+                <a:solidFill>
+                  <a:schemeClr val="bg1"/>
+                </a:solidFill>
+                <a:cs typeface="Times New Roman" panose="02020603050405020304" pitchFamily="18" charset="0"/>
+              </a:rPr>
+              <a:t>)</a:t>
             </a:r>
             <a:endParaRPr lang="ru-RU" sz="1800" b="1" dirty="0" smtClean="0">
               <a:solidFill>
-                <a:srgbClr val="FFFF00"/>
+                <a:schemeClr val="bg1"/>
               </a:solidFill>
               <a:cs typeface="Times New Roman" panose="02020603050405020304" pitchFamily="18" charset="0"/>
             </a:endParaRPr>
@@ -3612,12 +3885,21 @@
                 </a:solidFill>
                 <a:cs typeface="Times New Roman" panose="02020603050405020304" pitchFamily="18" charset="0"/>
               </a:rPr>
-              <a:t>	a = </a:t>
+              <a:t>	</a:t>
+            </a:r>
+            <a:r>
+              <a:rPr lang="en-US" sz="1800" b="1" dirty="0" smtClean="0">
+                <a:solidFill>
+                  <a:schemeClr val="bg1"/>
+                </a:solidFill>
+                <a:cs typeface="Times New Roman" panose="02020603050405020304" pitchFamily="18" charset="0"/>
+              </a:rPr>
+              <a:t>a = </a:t>
             </a:r>
             <a:r>
               <a:rPr lang="en-US" sz="1800" b="1" dirty="0">
                 <a:solidFill>
-                  <a:srgbClr val="FFFF00"/>
+                  <a:srgbClr val="C00000"/>
                 </a:solidFill>
                 <a:cs typeface="Times New Roman" panose="02020603050405020304" pitchFamily="18" charset="0"/>
               </a:rPr>
@@ -3626,7 +3908,7 @@
             <a:r>
               <a:rPr lang="ru-RU" sz="1800" b="1" dirty="0" smtClean="0">
                 <a:solidFill>
-                  <a:srgbClr val="FFFF00"/>
+                  <a:srgbClr val="C00000"/>
                 </a:solidFill>
                 <a:cs typeface="Times New Roman" panose="02020603050405020304" pitchFamily="18" charset="0"/>
               </a:rPr>
@@ -3635,7 +3917,7 @@
             <a:r>
               <a:rPr lang="en-US" sz="1800" b="1" dirty="0">
                 <a:solidFill>
-                  <a:srgbClr val="FFFF00"/>
+                  <a:srgbClr val="C00000"/>
                 </a:solidFill>
                 <a:cs typeface="Times New Roman" panose="02020603050405020304" pitchFamily="18" charset="0"/>
               </a:rPr>
@@ -3643,7 +3925,7 @@
             </a:r>
             <a:endParaRPr lang="en-US" sz="1800" b="1" dirty="0" smtClean="0">
               <a:solidFill>
-                <a:srgbClr val="FFFF00"/>
+                <a:srgbClr val="C00000"/>
               </a:solidFill>
               <a:cs typeface="Times New Roman" panose="02020603050405020304" pitchFamily="18" charset="0"/>
             </a:endParaRPr>
@@ -3694,16 +3976,25 @@
             <a:r>
               <a:rPr lang="en-US" sz="1800" b="1" dirty="0" smtClean="0">
                 <a:solidFill>
-                  <a:srgbClr val="FFFF00"/>
-                </a:solidFill>
-                <a:cs typeface="Times New Roman" panose="02020603050405020304" pitchFamily="18" charset="0"/>
-              </a:rPr>
-              <a:t>random.randint(0</a:t>
+                  <a:schemeClr val="bg1"/>
+                </a:solidFill>
+                <a:cs typeface="Times New Roman" panose="02020603050405020304" pitchFamily="18" charset="0"/>
+              </a:rPr>
+              <a:t>random.randint(</a:t>
+            </a:r>
+            <a:r>
+              <a:rPr lang="en-US" sz="1800" b="1" dirty="0" smtClean="0">
+                <a:solidFill>
+                  <a:schemeClr val="accent6"/>
+                </a:solidFill>
+                <a:cs typeface="Times New Roman" panose="02020603050405020304" pitchFamily="18" charset="0"/>
+              </a:rPr>
+              <a:t>0</a:t>
             </a:r>
             <a:r>
               <a:rPr lang="en-US" sz="1800" b="1" dirty="0">
                 <a:solidFill>
-                  <a:srgbClr val="FFFF00"/>
+                  <a:schemeClr val="bg1"/>
                 </a:solidFill>
                 <a:cs typeface="Times New Roman" panose="02020603050405020304" pitchFamily="18" charset="0"/>
               </a:rPr>
@@ -3712,15 +4003,24 @@
             <a:r>
               <a:rPr lang="en-US" sz="1800" b="1" dirty="0" smtClean="0">
                 <a:solidFill>
-                  <a:srgbClr val="FFFF00"/>
-                </a:solidFill>
-                <a:cs typeface="Times New Roman" panose="02020603050405020304" pitchFamily="18" charset="0"/>
-              </a:rPr>
-              <a:t>10)</a:t>
+                  <a:schemeClr val="accent6"/>
+                </a:solidFill>
+                <a:cs typeface="Times New Roman" panose="02020603050405020304" pitchFamily="18" charset="0"/>
+              </a:rPr>
+              <a:t>10</a:t>
+            </a:r>
+            <a:r>
+              <a:rPr lang="en-US" sz="1800" b="1" dirty="0" smtClean="0">
+                <a:solidFill>
+                  <a:schemeClr val="bg1"/>
+                </a:solidFill>
+                <a:cs typeface="Times New Roman" panose="02020603050405020304" pitchFamily="18" charset="0"/>
+              </a:rPr>
+              <a:t>)</a:t>
             </a:r>
             <a:endParaRPr lang="en-US" sz="1800" b="1" dirty="0">
               <a:solidFill>
-                <a:srgbClr val="FFFF00"/>
+                <a:schemeClr val="bg1"/>
               </a:solidFill>
               <a:cs typeface="Times New Roman" panose="02020603050405020304" pitchFamily="18" charset="0"/>
             </a:endParaRPr>
@@ -3757,7 +4057,25 @@
                 </a:solidFill>
                 <a:cs typeface="Times New Roman" panose="02020603050405020304" pitchFamily="18" charset="0"/>
               </a:rPr>
-              <a:t>			x += 10</a:t>
+              <a:t>			</a:t>
+            </a:r>
+            <a:r>
+              <a:rPr lang="en-US" sz="1800" b="1" dirty="0" smtClean="0">
+                <a:solidFill>
+                  <a:schemeClr val="bg1"/>
+                </a:solidFill>
+                <a:cs typeface="Times New Roman" panose="02020603050405020304" pitchFamily="18" charset="0"/>
+              </a:rPr>
+              <a:t>x += </a:t>
+            </a:r>
+            <a:r>
+              <a:rPr lang="en-US" sz="1800" b="1" dirty="0" smtClean="0">
+                <a:solidFill>
+                  <a:schemeClr val="accent6"/>
+                </a:solidFill>
+                <a:cs typeface="Times New Roman" panose="02020603050405020304" pitchFamily="18" charset="0"/>
+              </a:rPr>
+              <a:t>10</a:t>
             </a:r>
           </a:p>
           <a:p>
@@ -3792,7 +4110,16 @@
                 </a:solidFill>
                 <a:cs typeface="Times New Roman" panose="02020603050405020304" pitchFamily="18" charset="0"/>
               </a:rPr>
-              <a:t>			def</a:t>
+              <a:t>			</a:t>
+            </a:r>
+            <a:r>
+              <a:rPr lang="en-US" sz="1800" b="1" dirty="0" smtClean="0">
+                <a:solidFill>
+                  <a:srgbClr val="0070C0"/>
+                </a:solidFill>
+                <a:cs typeface="Times New Roman" panose="02020603050405020304" pitchFamily="18" charset="0"/>
+              </a:rPr>
+              <a:t>def</a:t>
             </a:r>
             <a:r>
               <a:rPr lang="en-US" sz="1800" b="1" dirty="0">
@@ -3806,7 +4133,7 @@
             <a:r>
               <a:rPr lang="en-US" sz="1800" b="1" dirty="0" smtClean="0">
                 <a:solidFill>
-                  <a:srgbClr val="FFFF00"/>
+                  <a:schemeClr val="bg1"/>
                 </a:solidFill>
                 <a:cs typeface="Times New Roman" panose="02020603050405020304" pitchFamily="18" charset="0"/>
               </a:rPr>
@@ -3838,7 +4165,16 @@
                 </a:solidFill>
                 <a:cs typeface="Times New Roman" panose="02020603050405020304" pitchFamily="18" charset="0"/>
               </a:rPr>
-              <a:t>	    	    pass</a:t>
+              <a:t>	    	    </a:t>
+            </a:r>
+            <a:r>
+              <a:rPr lang="en-US" sz="1800" b="1" dirty="0" smtClean="0">
+                <a:solidFill>
+                  <a:srgbClr val="C00000"/>
+                </a:solidFill>
+                <a:cs typeface="Times New Roman" panose="02020603050405020304" pitchFamily="18" charset="0"/>
+              </a:rPr>
+              <a:t>pass</a:t>
             </a:r>
           </a:p>
           <a:p>
@@ -3878,22 +4214,38 @@
             <a:r>
               <a:rPr lang="en-US" sz="1800" b="1" dirty="0">
                 <a:solidFill>
+                  <a:srgbClr val="7030A0"/>
+                </a:solidFill>
+              </a:rPr>
+              <a:t>if</a:t>
+            </a:r>
+            <a:r>
+              <a:rPr lang="en-US" sz="1800" b="1" dirty="0">
+                <a:solidFill>
                   <a:srgbClr val="FFFF00"/>
                 </a:solidFill>
               </a:rPr>
-              <a:t>if e.type == pygame.KEYDOWN</a:t>
-            </a:r>
-            <a:r>
-              <a:rPr lang="en-US" sz="1800" b="1" dirty="0" smtClean="0">
-                <a:solidFill>
-                  <a:srgbClr val="FFFF00"/>
+              <a:t> </a:t>
+            </a:r>
+            <a:r>
+              <a:rPr lang="en-US" sz="1800" b="1" dirty="0">
+                <a:solidFill>
+                  <a:schemeClr val="bg1"/>
+                </a:solidFill>
+              </a:rPr>
+              <a:t>e.type == pygame.KEYDOWN</a:t>
+            </a:r>
+            <a:r>
+              <a:rPr lang="en-US" sz="1800" b="1" dirty="0" smtClean="0">
+                <a:solidFill>
+                  <a:schemeClr val="bg1"/>
                 </a:solidFill>
               </a:rPr>
               <a:t>:</a:t>
             </a:r>
             <a:endParaRPr lang="en-US" sz="1800" b="1" dirty="0">
               <a:solidFill>
-                <a:srgbClr val="FFFF00"/>
+                <a:schemeClr val="bg1"/>
               </a:solidFill>
               <a:cs typeface="Times New Roman" panose="02020603050405020304" pitchFamily="18" charset="0"/>
             </a:endParaRPr>
@@ -3919,7 +4271,7 @@
             <a:r>
               <a:rPr lang="en-US" sz="1800" b="1" dirty="0" smtClean="0">
                 <a:solidFill>
-                  <a:srgbClr val="FFFF00"/>
+                  <a:srgbClr val="7030A0"/>
                 </a:solidFill>
                 <a:cs typeface="Times New Roman" panose="02020603050405020304" pitchFamily="18" charset="0"/>
               </a:rPr>
@@ -3928,7 +4280,7 @@
             <a:r>
               <a:rPr lang="en-US" sz="1800" b="1" dirty="0">
                 <a:solidFill>
-                  <a:srgbClr val="FFFF00"/>
+                  <a:schemeClr val="bg1"/>
                 </a:solidFill>
               </a:rPr>
               <a:t>e.key == </a:t>
@@ -3936,14 +4288,14 @@
             <a:r>
               <a:rPr lang="en-US" sz="1800" b="1" dirty="0" smtClean="0">
                 <a:solidFill>
-                  <a:srgbClr val="FFFF00"/>
+                  <a:schemeClr val="bg1"/>
                 </a:solidFill>
               </a:rPr>
               <a:t>pygame.K_q:</a:t>
             </a:r>
             <a:endParaRPr lang="en-US" sz="1800" b="1" dirty="0">
               <a:solidFill>
-                <a:srgbClr val="FFFF00"/>
+                <a:schemeClr val="bg1"/>
               </a:solidFill>
             </a:endParaRPr>
           </a:p>
@@ -3988,16 +4340,25 @@
             <a:r>
               <a:rPr lang="en-US" sz="1800" b="1" dirty="0">
                 <a:solidFill>
-                  <a:srgbClr val="FFFF00"/>
-                </a:solidFill>
-                <a:cs typeface="Times New Roman" panose="02020603050405020304" pitchFamily="18" charset="0"/>
-              </a:rPr>
-              <a:t>("</a:t>
+                  <a:schemeClr val="bg1"/>
+                </a:solidFill>
+                <a:cs typeface="Times New Roman" panose="02020603050405020304" pitchFamily="18" charset="0"/>
+              </a:rPr>
+              <a:t>(</a:t>
+            </a:r>
+            <a:r>
+              <a:rPr lang="en-US" sz="1800" b="1" dirty="0">
+                <a:solidFill>
+                  <a:srgbClr val="C00000"/>
+                </a:solidFill>
+                <a:cs typeface="Times New Roman" panose="02020603050405020304" pitchFamily="18" charset="0"/>
+              </a:rPr>
+              <a:t>"</a:t>
             </a:r>
             <a:r>
               <a:rPr lang="ru-RU" sz="1800" b="1" dirty="0">
                 <a:solidFill>
-                  <a:srgbClr val="FFFF00"/>
+                  <a:srgbClr val="C00000"/>
                 </a:solidFill>
                 <a:cs typeface="Times New Roman" panose="02020603050405020304" pitchFamily="18" charset="0"/>
               </a:rPr>
@@ -4006,15 +4367,24 @@
             <a:r>
               <a:rPr lang="ru-RU" sz="1800" b="1" dirty="0" smtClean="0">
                 <a:solidFill>
-                  <a:srgbClr val="FFFF00"/>
-                </a:solidFill>
-                <a:cs typeface="Times New Roman" panose="02020603050405020304" pitchFamily="18" charset="0"/>
-              </a:rPr>
-              <a:t>?")</a:t>
+                  <a:srgbClr val="C00000"/>
+                </a:solidFill>
+                <a:cs typeface="Times New Roman" panose="02020603050405020304" pitchFamily="18" charset="0"/>
+              </a:rPr>
+              <a:t>?"</a:t>
+            </a:r>
+            <a:r>
+              <a:rPr lang="ru-RU" sz="1800" b="1" dirty="0" smtClean="0">
+                <a:solidFill>
+                  <a:schemeClr val="bg1"/>
+                </a:solidFill>
+                <a:cs typeface="Times New Roman" panose="02020603050405020304" pitchFamily="18" charset="0"/>
+              </a:rPr>
+              <a:t>)</a:t>
             </a:r>
             <a:endParaRPr lang="en-US" sz="1800" b="1" dirty="0">
               <a:solidFill>
-                <a:srgbClr val="FFFF00"/>
+                <a:schemeClr val="bg1"/>
               </a:solidFill>
               <a:cs typeface="Times New Roman" panose="02020603050405020304" pitchFamily="18" charset="0"/>
             </a:endParaRPr>
@@ -4065,11 +4435,40 @@
             <a:r>
               <a:rPr lang="en-US" sz="1800" b="1" dirty="0" smtClean="0">
                 <a:solidFill>
-                  <a:srgbClr val="FFFF00"/>
-                </a:solidFill>
-                <a:cs typeface="Times New Roman" panose="02020603050405020304" pitchFamily="18" charset="0"/>
-              </a:rPr>
-              <a:t>int(10.5)</a:t>
+                  <a:schemeClr val="accent6">
+                    <a:lumMod val="75000"/>
+                  </a:schemeClr>
+                </a:solidFill>
+                <a:cs typeface="Times New Roman" panose="02020603050405020304" pitchFamily="18" charset="0"/>
+              </a:rPr>
+              <a:t>int</a:t>
+            </a:r>
+            <a:r>
+              <a:rPr lang="en-US" sz="1800" b="1" dirty="0" smtClean="0">
+                <a:solidFill>
+                  <a:schemeClr val="bg1"/>
+                </a:solidFill>
+                <a:cs typeface="Times New Roman" panose="02020603050405020304" pitchFamily="18" charset="0"/>
+              </a:rPr>
+              <a:t>(</a:t>
+            </a:r>
+            <a:r>
+              <a:rPr lang="en-US" sz="1800" b="1" dirty="0" smtClean="0">
+                <a:solidFill>
+                  <a:schemeClr val="accent6"/>
+                </a:solidFill>
+                <a:cs typeface="Times New Roman" panose="02020603050405020304" pitchFamily="18" charset="0"/>
+              </a:rPr>
+              <a:t>10.5</a:t>
+            </a:r>
+            <a:r>
+              <a:rPr lang="en-US" sz="1800" b="1" dirty="0" smtClean="0">
+                <a:solidFill>
+                  <a:schemeClr val="bg1"/>
+                </a:solidFill>
+                <a:cs typeface="Times New Roman" panose="02020603050405020304" pitchFamily="18" charset="0"/>
+              </a:rPr>
+              <a:t>)</a:t>
             </a:r>
           </a:p>
           <a:p>
@@ -4129,7 +4528,79 @@
                 </a:solidFill>
                 <a:cs typeface="Times New Roman" panose="02020603050405020304" pitchFamily="18" charset="0"/>
               </a:rPr>
-              <a:t>			if a &gt; 0 and n &lt; 0:</a:t>
+              <a:t>			</a:t>
+            </a:r>
+            <a:r>
+              <a:rPr lang="en-US" sz="1800" b="1" dirty="0" smtClean="0">
+                <a:solidFill>
+                  <a:srgbClr val="7030A0"/>
+                </a:solidFill>
+                <a:cs typeface="Times New Roman" panose="02020603050405020304" pitchFamily="18" charset="0"/>
+              </a:rPr>
+              <a:t>if</a:t>
+            </a:r>
+            <a:r>
+              <a:rPr lang="en-US" sz="1800" b="1" dirty="0" smtClean="0">
+                <a:solidFill>
+                  <a:schemeClr val="bg1"/>
+                </a:solidFill>
+                <a:cs typeface="Times New Roman" panose="02020603050405020304" pitchFamily="18" charset="0"/>
+              </a:rPr>
+              <a:t> a &gt; </a:t>
+            </a:r>
+            <a:r>
+              <a:rPr lang="en-US" sz="1800" b="1" dirty="0" smtClean="0">
+                <a:solidFill>
+                  <a:schemeClr val="accent6"/>
+                </a:solidFill>
+                <a:cs typeface="Times New Roman" panose="02020603050405020304" pitchFamily="18" charset="0"/>
+              </a:rPr>
+              <a:t>0</a:t>
+            </a:r>
+            <a:r>
+              <a:rPr lang="en-US" sz="1800" b="1" dirty="0" smtClean="0">
+                <a:solidFill>
+                  <a:schemeClr val="bg1"/>
+                </a:solidFill>
+                <a:cs typeface="Times New Roman" panose="02020603050405020304" pitchFamily="18" charset="0"/>
+              </a:rPr>
+              <a:t> </a:t>
+            </a:r>
+            <a:r>
+              <a:rPr lang="en-US" sz="1800" b="1" dirty="0" smtClean="0">
+                <a:solidFill>
+                  <a:srgbClr val="0070C0"/>
+                </a:solidFill>
+                <a:cs typeface="Times New Roman" panose="02020603050405020304" pitchFamily="18" charset="0"/>
+              </a:rPr>
+              <a:t>and</a:t>
+            </a:r>
+            <a:r>
+              <a:rPr lang="en-US" sz="1800" b="1" dirty="0" smtClean="0">
+                <a:solidFill>
+                  <a:schemeClr val="bg1"/>
+                </a:solidFill>
+                <a:cs typeface="Times New Roman" panose="02020603050405020304" pitchFamily="18" charset="0"/>
+              </a:rPr>
+              <a:t> n &lt; </a:t>
+            </a:r>
+            <a:r>
+              <a:rPr lang="en-US" sz="1800" b="1" dirty="0" smtClean="0">
+                <a:solidFill>
+                  <a:schemeClr val="accent6"/>
+                </a:solidFill>
+                <a:cs typeface="Times New Roman" panose="02020603050405020304" pitchFamily="18" charset="0"/>
+              </a:rPr>
+              <a:t>0</a:t>
+            </a:r>
+            <a:r>
+              <a:rPr lang="en-US" sz="1800" b="1" dirty="0" smtClean="0">
+                <a:solidFill>
+                  <a:schemeClr val="bg1"/>
+                </a:solidFill>
+                <a:cs typeface="Times New Roman" panose="02020603050405020304" pitchFamily="18" charset="0"/>
+              </a:rPr>
+              <a:t>:</a:t>
             </a:r>
           </a:p>
           <a:p>
@@ -4144,7 +4615,7 @@
             <a:r>
               <a:rPr lang="en-US" sz="1800" b="1" dirty="0">
                 <a:solidFill>
-                  <a:srgbClr val="FFFF00"/>
+                  <a:schemeClr val="bg1"/>
                 </a:solidFill>
                 <a:cs typeface="Times New Roman" panose="02020603050405020304" pitchFamily="18" charset="0"/>
               </a:rPr>
@@ -4153,11 +4624,20 @@
             <a:r>
               <a:rPr lang="en-US" sz="1800" b="1" dirty="0" smtClean="0">
                 <a:solidFill>
-                  <a:srgbClr val="FFFF00"/>
-                </a:solidFill>
-                <a:cs typeface="Times New Roman" panose="02020603050405020304" pitchFamily="18" charset="0"/>
-              </a:rPr>
-              <a:t>			    pass</a:t>
+                  <a:schemeClr val="bg1"/>
+                </a:solidFill>
+                <a:cs typeface="Times New Roman" panose="02020603050405020304" pitchFamily="18" charset="0"/>
+              </a:rPr>
+              <a:t>			    </a:t>
+            </a:r>
+            <a:r>
+              <a:rPr lang="en-US" sz="1800" b="1" dirty="0" smtClean="0">
+                <a:solidFill>
+                  <a:srgbClr val="7030A0"/>
+                </a:solidFill>
+                <a:cs typeface="Times New Roman" panose="02020603050405020304" pitchFamily="18" charset="0"/>
+              </a:rPr>
+              <a:t>pass</a:t>
             </a:r>
           </a:p>
           <a:p>
@@ -4192,23 +4672,80 @@
                 </a:solidFill>
                 <a:cs typeface="Times New Roman" panose="02020603050405020304" pitchFamily="18" charset="0"/>
               </a:rPr>
-              <a:t>				n = 10 / </a:t>
-            </a:r>
-            <a:r>
-              <a:rPr lang="en-US" sz="1800" b="1" dirty="0" smtClean="0">
-                <a:solidFill>
-                  <a:srgbClr val="FFFF00"/>
-                </a:solidFill>
-                <a:cs typeface="Times New Roman" panose="02020603050405020304" pitchFamily="18" charset="0"/>
-              </a:rPr>
-              <a:t>2 + 10 * 2</a:t>
-            </a:r>
-            <a:endParaRPr lang="en-US" sz="1800" b="1" dirty="0" smtClean="0">
-              <a:solidFill>
-                <a:srgbClr val="FFFF00"/>
-              </a:solidFill>
-              <a:cs typeface="Times New Roman" panose="02020603050405020304" pitchFamily="18" charset="0"/>
-            </a:endParaRPr>
+              <a:t>				</a:t>
+            </a:r>
+            <a:r>
+              <a:rPr lang="en-US" sz="1800" b="1" dirty="0" smtClean="0">
+                <a:solidFill>
+                  <a:schemeClr val="bg1"/>
+                </a:solidFill>
+                <a:cs typeface="Times New Roman" panose="02020603050405020304" pitchFamily="18" charset="0"/>
+              </a:rPr>
+              <a:t>n = </a:t>
+            </a:r>
+            <a:r>
+              <a:rPr lang="en-US" sz="1800" b="1" dirty="0" smtClean="0">
+                <a:solidFill>
+                  <a:schemeClr val="accent6"/>
+                </a:solidFill>
+                <a:cs typeface="Times New Roman" panose="02020603050405020304" pitchFamily="18" charset="0"/>
+              </a:rPr>
+              <a:t>10</a:t>
+            </a:r>
+            <a:r>
+              <a:rPr lang="en-US" sz="1800" b="1" dirty="0" smtClean="0">
+                <a:solidFill>
+                  <a:schemeClr val="bg1"/>
+                </a:solidFill>
+                <a:cs typeface="Times New Roman" panose="02020603050405020304" pitchFamily="18" charset="0"/>
+              </a:rPr>
+              <a:t> / </a:t>
+            </a:r>
+            <a:r>
+              <a:rPr lang="en-US" sz="1800" b="1" dirty="0" smtClean="0">
+                <a:solidFill>
+                  <a:schemeClr val="accent6"/>
+                </a:solidFill>
+                <a:cs typeface="Times New Roman" panose="02020603050405020304" pitchFamily="18" charset="0"/>
+              </a:rPr>
+              <a:t>2</a:t>
+            </a:r>
+            <a:r>
+              <a:rPr lang="en-US" sz="1800" b="1" dirty="0" smtClean="0">
+                <a:solidFill>
+                  <a:schemeClr val="bg1"/>
+                </a:solidFill>
+                <a:cs typeface="Times New Roman" panose="02020603050405020304" pitchFamily="18" charset="0"/>
+              </a:rPr>
+              <a:t> + </a:t>
+            </a:r>
+            <a:r>
+              <a:rPr lang="en-US" sz="1800" b="1" dirty="0" smtClean="0">
+                <a:solidFill>
+                  <a:schemeClr val="accent6"/>
+                </a:solidFill>
+                <a:cs typeface="Times New Roman" panose="02020603050405020304" pitchFamily="18" charset="0"/>
+              </a:rPr>
+              <a:t>10</a:t>
+            </a:r>
+            <a:r>
+              <a:rPr lang="en-US" sz="1800" b="1" dirty="0" smtClean="0">
+                <a:solidFill>
+                  <a:schemeClr val="bg1"/>
+                </a:solidFill>
+                <a:cs typeface="Times New Roman" panose="02020603050405020304" pitchFamily="18" charset="0"/>
+              </a:rPr>
+              <a:t> * </a:t>
+            </a:r>
+            <a:r>
+              <a:rPr lang="en-US" sz="1800" b="1" dirty="0" smtClean="0">
+                <a:solidFill>
+                  <a:schemeClr val="accent6"/>
+                </a:solidFill>
+                <a:cs typeface="Times New Roman" panose="02020603050405020304" pitchFamily="18" charset="0"/>
+              </a:rPr>
+              <a:t>2</a:t>
+            </a:r>
           </a:p>
           <a:p>
             <a:pPr algn="l">
@@ -4242,12 +4779,21 @@
                 </a:solidFill>
                 <a:cs typeface="Times New Roman" panose="02020603050405020304" pitchFamily="18" charset="0"/>
               </a:rPr>
-              <a:t>				a = </a:t>
+              <a:t>				</a:t>
+            </a:r>
+            <a:r>
+              <a:rPr lang="en-US" sz="1800" b="1" dirty="0" smtClean="0">
+                <a:solidFill>
+                  <a:schemeClr val="bg1"/>
+                </a:solidFill>
+                <a:cs typeface="Times New Roman" panose="02020603050405020304" pitchFamily="18" charset="0"/>
+              </a:rPr>
+              <a:t>a = </a:t>
             </a:r>
             <a:r>
               <a:rPr lang="en-US" sz="1800" b="1" dirty="0">
                 <a:solidFill>
-                  <a:srgbClr val="FFFF00"/>
+                  <a:srgbClr val="C00000"/>
                 </a:solidFill>
                 <a:cs typeface="Times New Roman" panose="02020603050405020304" pitchFamily="18" charset="0"/>
               </a:rPr>
@@ -4256,7 +4802,7 @@
             <a:r>
               <a:rPr lang="ru-RU" sz="1800" b="1" dirty="0" smtClean="0">
                 <a:solidFill>
-                  <a:srgbClr val="FFFF00"/>
+                  <a:srgbClr val="C00000"/>
                 </a:solidFill>
                 <a:cs typeface="Times New Roman" panose="02020603050405020304" pitchFamily="18" charset="0"/>
               </a:rPr>
@@ -4265,7 +4811,7 @@
             <a:r>
               <a:rPr lang="en-US" sz="1800" b="1" dirty="0">
                 <a:solidFill>
-                  <a:srgbClr val="FFFF00"/>
+                  <a:srgbClr val="C00000"/>
                 </a:solidFill>
                 <a:cs typeface="Times New Roman" panose="02020603050405020304" pitchFamily="18" charset="0"/>
               </a:rPr>
@@ -4274,7 +4820,7 @@
             <a:r>
               <a:rPr lang="en-US" sz="1800" b="1" dirty="0" smtClean="0">
                 <a:solidFill>
-                  <a:srgbClr val="FFFF00"/>
+                  <a:schemeClr val="bg1"/>
                 </a:solidFill>
                 <a:cs typeface="Times New Roman" panose="02020603050405020304" pitchFamily="18" charset="0"/>
               </a:rPr>
@@ -4283,7 +4829,7 @@
             <a:r>
               <a:rPr lang="en-US" sz="1800" b="1" dirty="0">
                 <a:solidFill>
-                  <a:srgbClr val="FFFF00"/>
+                  <a:srgbClr val="C00000"/>
                 </a:solidFill>
                 <a:cs typeface="Times New Roman" panose="02020603050405020304" pitchFamily="18" charset="0"/>
               </a:rPr>
@@ -4292,7 +4838,7 @@
             <a:r>
               <a:rPr lang="ru-RU" sz="1800" b="1" dirty="0" smtClean="0">
                 <a:solidFill>
-                  <a:srgbClr val="FFFF00"/>
+                  <a:srgbClr val="C00000"/>
                 </a:solidFill>
                 <a:cs typeface="Times New Roman" panose="02020603050405020304" pitchFamily="18" charset="0"/>
               </a:rPr>
@@ -4301,7 +4847,7 @@
             <a:r>
               <a:rPr lang="en-US" sz="1800" b="1" dirty="0">
                 <a:solidFill>
-                  <a:srgbClr val="FFFF00"/>
+                  <a:srgbClr val="C00000"/>
                 </a:solidFill>
                 <a:cs typeface="Times New Roman" panose="02020603050405020304" pitchFamily="18" charset="0"/>
               </a:rPr>
@@ -4309,7 +4855,7 @@
             </a:r>
             <a:endParaRPr lang="en-US" sz="1800" b="1" dirty="0" smtClean="0">
               <a:solidFill>
-                <a:srgbClr val="FFFF00"/>
+                <a:srgbClr val="C00000"/>
               </a:solidFill>
               <a:cs typeface="Times New Roman" panose="02020603050405020304" pitchFamily="18" charset="0"/>
             </a:endParaRPr>
@@ -4371,7 +4917,45 @@
                 </a:solidFill>
                 <a:cs typeface="Times New Roman" panose="02020603050405020304" pitchFamily="18" charset="0"/>
               </a:rPr>
-              <a:t>		list.append(10)</a:t>
+              <a:t>		</a:t>
+            </a:r>
+            <a:r>
+              <a:rPr lang="en-US" sz="1800" b="1" dirty="0" smtClean="0">
+                <a:solidFill>
+                  <a:schemeClr val="accent6">
+                    <a:lumMod val="75000"/>
+                  </a:schemeClr>
+                </a:solidFill>
+                <a:cs typeface="Times New Roman" panose="02020603050405020304" pitchFamily="18" charset="0"/>
+              </a:rPr>
+              <a:t>list</a:t>
+            </a:r>
+            <a:r>
+              <a:rPr lang="en-US" sz="1800" b="1" dirty="0" smtClean="0">
+                <a:solidFill>
+                  <a:schemeClr val="bg1"/>
+                </a:solidFill>
+                <a:cs typeface="Times New Roman" panose="02020603050405020304" pitchFamily="18" charset="0"/>
+              </a:rPr>
+              <a:t>.append(</a:t>
+            </a:r>
+            <a:r>
+              <a:rPr lang="en-US" sz="1800" b="1" dirty="0" smtClean="0">
+                <a:solidFill>
+                  <a:schemeClr val="accent6"/>
+                </a:solidFill>
+                <a:cs typeface="Times New Roman" panose="02020603050405020304" pitchFamily="18" charset="0"/>
+              </a:rPr>
+              <a:t>10</a:t>
+            </a:r>
+            <a:r>
+              <a:rPr lang="en-US" sz="1800" b="1" dirty="0" smtClean="0">
+                <a:solidFill>
+                  <a:schemeClr val="bg1"/>
+                </a:solidFill>
+                <a:cs typeface="Times New Roman" panose="02020603050405020304" pitchFamily="18" charset="0"/>
+              </a:rPr>
+              <a:t>)</a:t>
             </a:r>
           </a:p>
           <a:p>
@@ -4406,7 +4990,36 @@
                 </a:solidFill>
                 <a:cs typeface="Times New Roman" panose="02020603050405020304" pitchFamily="18" charset="0"/>
               </a:rPr>
-              <a:t>			len(list)</a:t>
+              <a:t>			len</a:t>
+            </a:r>
+            <a:r>
+              <a:rPr lang="en-US" sz="1800" b="1" dirty="0" smtClean="0">
+                <a:solidFill>
+                  <a:schemeClr val="bg1"/>
+                </a:solidFill>
+                <a:cs typeface="Times New Roman" panose="02020603050405020304" pitchFamily="18" charset="0"/>
+              </a:rPr>
+              <a:t>(</a:t>
+            </a:r>
+            <a:r>
+              <a:rPr lang="en-US" sz="1800" b="1" dirty="0" smtClean="0">
+                <a:solidFill>
+                  <a:schemeClr val="accent6">
+                    <a:lumMod val="75000"/>
+                  </a:schemeClr>
+                </a:solidFill>
+                <a:cs typeface="Times New Roman" panose="02020603050405020304" pitchFamily="18" charset="0"/>
+              </a:rPr>
+              <a:t>list</a:t>
+            </a:r>
+            <a:r>
+              <a:rPr lang="en-US" sz="1800" b="1" dirty="0" smtClean="0">
+                <a:solidFill>
+                  <a:schemeClr val="bg1"/>
+                </a:solidFill>
+                <a:cs typeface="Times New Roman" panose="02020603050405020304" pitchFamily="18" charset="0"/>
+              </a:rPr>
+              <a:t>)</a:t>
             </a:r>
           </a:p>
         </p:txBody>
